--- a/2024/2024-11-15-AI-Updates.pptx
+++ b/2024/2024-11-15-AI-Updates.pptx
@@ -1588,7 +1588,7 @@
   <p:cSld>
     <p:spTree>
       <p:nvGrpSpPr>
-        <p:cNvPr id="1" name="Shape 179"/>
+        <p:cNvPr id="1" name="Shape 180"/>
         <p:cNvGrpSpPr/>
         <p:nvPr/>
       </p:nvGrpSpPr>
@@ -1602,7 +1602,7 @@
       </p:grpSpPr>
       <p:sp>
         <p:nvSpPr>
-          <p:cNvPr id="180" name="Google Shape;180;g31475c73396_1_0:notes"/>
+          <p:cNvPr id="181" name="Google Shape;181;g31475c73396_1_0:notes"/>
           <p:cNvSpPr>
             <a:spLocks noGrp="1" noRot="1" noChangeAspect="1"/>
           </p:cNvSpPr>
@@ -1653,7 +1653,7 @@
       </p:sp>
       <p:sp>
         <p:nvSpPr>
-          <p:cNvPr id="181" name="Google Shape;181;g31475c73396_1_0:notes"/>
+          <p:cNvPr id="182" name="Google Shape;182;g31475c73396_1_0:notes"/>
           <p:cNvSpPr txBox="1">
             <a:spLocks noGrp="1"/>
           </p:cNvSpPr>
@@ -1710,7 +1710,7 @@
   <p:cSld>
     <p:spTree>
       <p:nvGrpSpPr>
-        <p:cNvPr id="1" name="Shape 186"/>
+        <p:cNvPr id="1" name="Shape 187"/>
         <p:cNvGrpSpPr/>
         <p:nvPr/>
       </p:nvGrpSpPr>
@@ -1724,7 +1724,7 @@
       </p:grpSpPr>
       <p:sp>
         <p:nvSpPr>
-          <p:cNvPr id="187" name="Google Shape;187;g2f03ac7ac9f_0_5:notes"/>
+          <p:cNvPr id="188" name="Google Shape;188;g2f03ac7ac9f_0_5:notes"/>
           <p:cNvSpPr>
             <a:spLocks noGrp="1" noRot="1" noChangeAspect="1"/>
           </p:cNvSpPr>
@@ -1775,7 +1775,7 @@
       </p:sp>
       <p:sp>
         <p:nvSpPr>
-          <p:cNvPr id="188" name="Google Shape;188;g2f03ac7ac9f_0_5:notes"/>
+          <p:cNvPr id="189" name="Google Shape;189;g2f03ac7ac9f_0_5:notes"/>
           <p:cNvSpPr txBox="1">
             <a:spLocks noGrp="1"/>
           </p:cNvSpPr>
@@ -1832,7 +1832,7 @@
   <p:cSld>
     <p:spTree>
       <p:nvGrpSpPr>
-        <p:cNvPr id="1" name="Shape 217"/>
+        <p:cNvPr id="1" name="Shape 218"/>
         <p:cNvGrpSpPr/>
         <p:nvPr/>
       </p:nvGrpSpPr>
@@ -1846,7 +1846,7 @@
       </p:grpSpPr>
       <p:sp>
         <p:nvSpPr>
-          <p:cNvPr id="218" name="Google Shape;218;g2f03ac7ac9f_0_17:notes"/>
+          <p:cNvPr id="219" name="Google Shape;219;g2f03ac7ac9f_0_17:notes"/>
           <p:cNvSpPr>
             <a:spLocks noGrp="1" noRot="1" noChangeAspect="1"/>
           </p:cNvSpPr>
@@ -1897,7 +1897,7 @@
       </p:sp>
       <p:sp>
         <p:nvSpPr>
-          <p:cNvPr id="219" name="Google Shape;219;g2f03ac7ac9f_0_17:notes"/>
+          <p:cNvPr id="220" name="Google Shape;220;g2f03ac7ac9f_0_17:notes"/>
           <p:cNvSpPr txBox="1">
             <a:spLocks noGrp="1"/>
           </p:cNvSpPr>
@@ -1954,7 +1954,7 @@
   <p:cSld>
     <p:spTree>
       <p:nvGrpSpPr>
-        <p:cNvPr id="1" name="Shape 247"/>
+        <p:cNvPr id="1" name="Shape 248"/>
         <p:cNvGrpSpPr/>
         <p:nvPr/>
       </p:nvGrpSpPr>
@@ -1968,7 +1968,7 @@
       </p:grpSpPr>
       <p:sp>
         <p:nvSpPr>
-          <p:cNvPr id="248" name="Google Shape;248;g2f5a4c13872_2_0:notes"/>
+          <p:cNvPr id="249" name="Google Shape;249;g2f5a4c13872_2_0:notes"/>
           <p:cNvSpPr>
             <a:spLocks noGrp="1" noRot="1" noChangeAspect="1"/>
           </p:cNvSpPr>
@@ -2019,7 +2019,7 @@
       </p:sp>
       <p:sp>
         <p:nvSpPr>
-          <p:cNvPr id="249" name="Google Shape;249;g2f5a4c13872_2_0:notes"/>
+          <p:cNvPr id="250" name="Google Shape;250;g2f5a4c13872_2_0:notes"/>
           <p:cNvSpPr txBox="1">
             <a:spLocks noGrp="1"/>
           </p:cNvSpPr>
@@ -2076,7 +2076,7 @@
   <p:cSld>
     <p:spTree>
       <p:nvGrpSpPr>
-        <p:cNvPr id="1" name="Shape 256"/>
+        <p:cNvPr id="1" name="Shape 257"/>
         <p:cNvGrpSpPr/>
         <p:nvPr/>
       </p:nvGrpSpPr>
@@ -2090,7 +2090,7 @@
       </p:grpSpPr>
       <p:sp>
         <p:nvSpPr>
-          <p:cNvPr id="257" name="Google Shape;257;p22:notes"/>
+          <p:cNvPr id="258" name="Google Shape;258;p22:notes"/>
           <p:cNvSpPr>
             <a:spLocks noGrp="1" noRot="1" noChangeAspect="1"/>
           </p:cNvSpPr>
@@ -2141,7 +2141,7 @@
       </p:sp>
       <p:sp>
         <p:nvSpPr>
-          <p:cNvPr id="258" name="Google Shape;258;p22:notes"/>
+          <p:cNvPr id="259" name="Google Shape;259;p22:notes"/>
           <p:cNvSpPr txBox="1">
             <a:spLocks noGrp="1"/>
           </p:cNvSpPr>
@@ -2320,7 +2320,7 @@
   <p:cSld>
     <p:spTree>
       <p:nvGrpSpPr>
-        <p:cNvPr id="1" name="Shape 266"/>
+        <p:cNvPr id="1" name="Shape 267"/>
         <p:cNvGrpSpPr/>
         <p:nvPr/>
       </p:nvGrpSpPr>
@@ -2334,7 +2334,7 @@
       </p:grpSpPr>
       <p:sp>
         <p:nvSpPr>
-          <p:cNvPr id="267" name="Google Shape;267;p23:notes"/>
+          <p:cNvPr id="268" name="Google Shape;268;p23:notes"/>
           <p:cNvSpPr>
             <a:spLocks noGrp="1" noRot="1" noChangeAspect="1"/>
           </p:cNvSpPr>
@@ -2385,7 +2385,7 @@
       </p:sp>
       <p:sp>
         <p:nvSpPr>
-          <p:cNvPr id="268" name="Google Shape;268;p23:notes"/>
+          <p:cNvPr id="269" name="Google Shape;269;p23:notes"/>
           <p:cNvSpPr txBox="1">
             <a:spLocks noGrp="1"/>
           </p:cNvSpPr>
@@ -12399,7 +12399,7 @@
                 <a:cs typeface="Calibri"/>
                 <a:sym typeface="Calibri"/>
               </a:rPr>
-              <a:t>Probabilistic Computing</a:t>
+              <a:t>Extropic - Probabilistic Computing</a:t>
             </a:r>
             <a:endParaRPr sz="1600" b="1">
               <a:solidFill>
@@ -15269,7 +15269,7 @@
                 <a:cs typeface="Calibri"/>
                 <a:sym typeface="Calibri"/>
               </a:rPr>
-              <a:t>Probabilistic Computing</a:t>
+              <a:t>Extropic - Probabilistic Computing</a:t>
             </a:r>
             <a:endParaRPr sz="2000" b="1">
               <a:solidFill>
@@ -15292,7 +15292,7 @@
         <p:spPr>
           <a:xfrm>
             <a:off x="91750" y="422200"/>
-            <a:ext cx="4432800" cy="7622400"/>
+            <a:ext cx="4432800" cy="4020600"/>
           </a:xfrm>
           <a:prstGeom prst="rect">
             <a:avLst/>
@@ -15316,7 +15316,7 @@
           </a:bodyPr>
           <a:lstStyle/>
           <a:p>
-            <a:pPr marL="457200" lvl="0" indent="-311150" algn="l" rtl="0">
+            <a:pPr marL="228600" lvl="0" indent="-139700" algn="l" rtl="0">
               <a:spcBef>
                 <a:spcPts val="0"/>
               </a:spcBef>
@@ -15331,6 +15331,29 @@
               <a:buChar char="●"/>
             </a:pPr>
             <a:r>
+              <a:rPr lang="en" sz="1300">
+                <a:solidFill>
+                  <a:schemeClr val="dk1"/>
+                </a:solidFill>
+                <a:latin typeface="Calibri"/>
+                <a:ea typeface="Calibri"/>
+                <a:cs typeface="Calibri"/>
+                <a:sym typeface="Calibri"/>
+              </a:rPr>
+              <a:t>Extropic - startup: </a:t>
+            </a:r>
+            <a:br>
+              <a:rPr lang="en" sz="1300">
+                <a:solidFill>
+                  <a:schemeClr val="dk1"/>
+                </a:solidFill>
+                <a:latin typeface="Calibri"/>
+                <a:ea typeface="Calibri"/>
+                <a:cs typeface="Calibri"/>
+                <a:sym typeface="Calibri"/>
+              </a:rPr>
+            </a:br>
+            <a:r>
               <a:rPr lang="en" sz="1300" u="sng">
                 <a:solidFill>
                   <a:schemeClr val="hlink"/>
@@ -15341,7 +15364,55 @@
                 <a:sym typeface="Calibri"/>
                 <a:hlinkClick r:id="rId3"/>
               </a:rPr>
-              <a:t>https://www.youtube.com/watch?v=hJUHrrihzOQ</a:t>
+              <a:t>https://www.extropic.ai</a:t>
+            </a:r>
+            <a:r>
+              <a:rPr lang="en" sz="1300">
+                <a:solidFill>
+                  <a:schemeClr val="dk1"/>
+                </a:solidFill>
+                <a:latin typeface="Calibri"/>
+                <a:ea typeface="Calibri"/>
+                <a:cs typeface="Calibri"/>
+                <a:sym typeface="Calibri"/>
+              </a:rPr>
+              <a:t> </a:t>
+            </a:r>
+            <a:br>
+              <a:rPr lang="en" sz="1300">
+                <a:solidFill>
+                  <a:schemeClr val="dk1"/>
+                </a:solidFill>
+                <a:latin typeface="Calibri"/>
+                <a:ea typeface="Calibri"/>
+                <a:cs typeface="Calibri"/>
+                <a:sym typeface="Calibri"/>
+              </a:rPr>
+            </a:br>
+            <a:r>
+              <a:rPr lang="en" sz="1300" u="sng">
+                <a:solidFill>
+                  <a:schemeClr val="hlink"/>
+                </a:solidFill>
+                <a:latin typeface="Calibri"/>
+                <a:ea typeface="Calibri"/>
+                <a:cs typeface="Calibri"/>
+                <a:sym typeface="Calibri"/>
+                <a:hlinkClick r:id="rId4"/>
+              </a:rPr>
+              <a:t>https://www.extropic.ai/accelerate</a:t>
+            </a:r>
+            <a:r>
+              <a:rPr lang="en" sz="1300">
+                <a:solidFill>
+                  <a:schemeClr val="dk1"/>
+                </a:solidFill>
+                <a:latin typeface="Calibri"/>
+                <a:ea typeface="Calibri"/>
+                <a:cs typeface="Calibri"/>
+                <a:sym typeface="Calibri"/>
+              </a:rPr>
+              <a:t> </a:t>
             </a:r>
             <a:endParaRPr sz="1300">
               <a:solidFill>
@@ -15354,15 +15425,32 @@
             </a:endParaRPr>
           </a:p>
           <a:p>
-            <a:pPr marL="0" lvl="0" indent="0" algn="l" rtl="0">
-              <a:spcBef>
-                <a:spcPts val="0"/>
-              </a:spcBef>
-              <a:spcAft>
-                <a:spcPts val="0"/>
-              </a:spcAft>
-              <a:buNone/>
-            </a:pPr>
+            <a:pPr marL="228600" lvl="0" indent="-139700" algn="l" rtl="0">
+              <a:spcBef>
+                <a:spcPts val="0"/>
+              </a:spcBef>
+              <a:spcAft>
+                <a:spcPts val="0"/>
+              </a:spcAft>
+              <a:buClr>
+                <a:schemeClr val="dk1"/>
+              </a:buClr>
+              <a:buSzPts val="1300"/>
+              <a:buFont typeface="Calibri"/>
+              <a:buChar char="●"/>
+            </a:pPr>
+            <a:r>
+              <a:rPr lang="en" sz="1300" b="1">
+                <a:solidFill>
+                  <a:srgbClr val="FF0000"/>
+                </a:solidFill>
+                <a:latin typeface="Calibri"/>
+                <a:ea typeface="Calibri"/>
+                <a:cs typeface="Calibri"/>
+                <a:sym typeface="Calibri"/>
+              </a:rPr>
+              <a:t>Probabilistic Computing</a:t>
+            </a:r>
             <a:r>
               <a:rPr lang="en" sz="1300">
                 <a:solidFill>
@@ -15373,7 +15461,7 @@
                 <a:cs typeface="Calibri"/>
                 <a:sym typeface="Calibri"/>
               </a:rPr>
-              <a:t>Here are the main ideas:</a:t>
+              <a:t> - using "probabilistic bits" (P-bits) that fluctuate between states, mimicking the uncertainty found in natural processes. This makes them well-suited for tasks like optimization, AI, and machine learning.</a:t>
             </a:r>
             <a:endParaRPr sz="1300">
               <a:solidFill>
@@ -15386,15 +15474,44 @@
             </a:endParaRPr>
           </a:p>
           <a:p>
-            <a:pPr marL="0" lvl="0" indent="0" algn="l" rtl="0">
-              <a:spcBef>
-                <a:spcPts val="0"/>
-              </a:spcBef>
-              <a:spcAft>
-                <a:spcPts val="0"/>
-              </a:spcAft>
-              <a:buNone/>
-            </a:pPr>
+            <a:pPr marL="228600" lvl="0" indent="-139700" algn="l" rtl="0">
+              <a:spcBef>
+                <a:spcPts val="0"/>
+              </a:spcBef>
+              <a:spcAft>
+                <a:spcPts val="0"/>
+              </a:spcAft>
+              <a:buClr>
+                <a:schemeClr val="dk1"/>
+              </a:buClr>
+              <a:buSzPts val="1300"/>
+              <a:buFont typeface="Calibri"/>
+              <a:buChar char="●"/>
+            </a:pPr>
+            <a:r>
+              <a:rPr lang="en" sz="1300" b="1">
+                <a:solidFill>
+                  <a:srgbClr val="FF0000"/>
+                </a:solidFill>
+                <a:latin typeface="Calibri"/>
+                <a:ea typeface="Calibri"/>
+                <a:cs typeface="Calibri"/>
+                <a:sym typeface="Calibri"/>
+              </a:rPr>
+              <a:t>Thermodynamic Computing</a:t>
+            </a:r>
+            <a:r>
+              <a:rPr lang="en" sz="1300">
+                <a:solidFill>
+                  <a:schemeClr val="dk1"/>
+                </a:solidFill>
+                <a:latin typeface="Calibri"/>
+                <a:ea typeface="Calibri"/>
+                <a:cs typeface="Calibri"/>
+                <a:sym typeface="Calibri"/>
+              </a:rPr>
+              <a:t> - a type of probabilistic computing that harnesses noise and the tendency of systems to minimize energy to perform computations.</a:t>
+            </a:r>
             <a:endParaRPr sz="1300">
               <a:solidFill>
                 <a:schemeClr val="dk1"/>
@@ -15406,14 +15523,19 @@
             </a:endParaRPr>
           </a:p>
           <a:p>
-            <a:pPr marL="0" lvl="0" indent="0" algn="l" rtl="0">
-              <a:spcBef>
-                <a:spcPts val="0"/>
-              </a:spcBef>
-              <a:spcAft>
-                <a:spcPts val="0"/>
-              </a:spcAft>
-              <a:buNone/>
+            <a:pPr marL="228600" lvl="0" indent="-139700" algn="l" rtl="0">
+              <a:spcBef>
+                <a:spcPts val="0"/>
+              </a:spcBef>
+              <a:spcAft>
+                <a:spcPts val="0"/>
+              </a:spcAft>
+              <a:buClr>
+                <a:schemeClr val="dk1"/>
+              </a:buClr>
+              <a:buSzPts val="1300"/>
+              <a:buFont typeface="Calibri"/>
+              <a:buChar char="●"/>
             </a:pPr>
             <a:r>
               <a:rPr lang="en" sz="1300">
@@ -15425,7 +15547,31 @@
                 <a:cs typeface="Calibri"/>
                 <a:sym typeface="Calibri"/>
               </a:rPr>
-              <a:t>Limitations of Digital Computing: Traditional digital computers, based on transistors and binary logic, are reaching their physical limits and struggle with probabilistic problems common in AI and simulations.</a:t>
+              <a:t>P-bits vs. Qubits: </a:t>
+            </a:r>
+            <a:r>
+              <a:rPr lang="en" sz="1300" b="1">
+                <a:solidFill>
+                  <a:srgbClr val="FF0000"/>
+                </a:solidFill>
+                <a:latin typeface="Calibri"/>
+                <a:ea typeface="Calibri"/>
+                <a:cs typeface="Calibri"/>
+                <a:sym typeface="Calibri"/>
+              </a:rPr>
+              <a:t>P-bits are purely classical and operate at room temperature.</a:t>
+            </a:r>
+            <a:r>
+              <a:rPr lang="en" sz="1300">
+                <a:solidFill>
+                  <a:schemeClr val="dk1"/>
+                </a:solidFill>
+                <a:latin typeface="Calibri"/>
+                <a:ea typeface="Calibri"/>
+                <a:cs typeface="Calibri"/>
+                <a:sym typeface="Calibri"/>
+              </a:rPr>
+              <a:t> P-bits can be built using various technologies, including superconducting Josephson junctions (JJs) and magnetic memory cells.</a:t>
             </a:r>
             <a:endParaRPr sz="1300">
               <a:solidFill>
@@ -15438,14 +15584,19 @@
             </a:endParaRPr>
           </a:p>
           <a:p>
-            <a:pPr marL="0" lvl="0" indent="0" algn="l" rtl="0">
-              <a:spcBef>
-                <a:spcPts val="0"/>
-              </a:spcBef>
-              <a:spcAft>
-                <a:spcPts val="0"/>
-              </a:spcAft>
-              <a:buNone/>
+            <a:pPr marL="228600" lvl="0" indent="-139700" algn="l" rtl="0">
+              <a:spcBef>
+                <a:spcPts val="0"/>
+              </a:spcBef>
+              <a:spcAft>
+                <a:spcPts val="0"/>
+              </a:spcAft>
+              <a:buClr>
+                <a:schemeClr val="dk1"/>
+              </a:buClr>
+              <a:buSzPts val="1300"/>
+              <a:buFont typeface="Calibri"/>
+              <a:buChar char="●"/>
             </a:pPr>
             <a:r>
               <a:rPr lang="en" sz="1300">
@@ -15457,7 +15608,31 @@
                 <a:cs typeface="Calibri"/>
                 <a:sym typeface="Calibri"/>
               </a:rPr>
-              <a:t>Probabilistic Computing: This new approach utilizes probabilistic bits (p-bits) that fluctuate between states, mimicking the uncertainty found in natural processes. This makes them well-suited for tasks like optimization, AI, and machine learning.</a:t>
+              <a:t>Probabilistic computers can be useful in some areas like AI, machine learning, and simulations. For some tasks they </a:t>
+            </a:r>
+            <a:r>
+              <a:rPr lang="en" sz="1300" b="1">
+                <a:solidFill>
+                  <a:srgbClr val="FF0000"/>
+                </a:solidFill>
+                <a:latin typeface="Calibri"/>
+                <a:ea typeface="Calibri"/>
+                <a:cs typeface="Calibri"/>
+                <a:sym typeface="Calibri"/>
+              </a:rPr>
+              <a:t>may be 100 million times more energy efficient</a:t>
+            </a:r>
+            <a:r>
+              <a:rPr lang="en" sz="1300">
+                <a:solidFill>
+                  <a:schemeClr val="dk1"/>
+                </a:solidFill>
+                <a:latin typeface="Calibri"/>
+                <a:ea typeface="Calibri"/>
+                <a:cs typeface="Calibri"/>
+                <a:sym typeface="Calibri"/>
+              </a:rPr>
+              <a:t> than GPUs.</a:t>
             </a:r>
             <a:endParaRPr sz="1300">
               <a:solidFill>
@@ -15470,14 +15645,19 @@
             </a:endParaRPr>
           </a:p>
           <a:p>
-            <a:pPr marL="0" lvl="0" indent="0" algn="l" rtl="0">
-              <a:spcBef>
-                <a:spcPts val="0"/>
-              </a:spcBef>
-              <a:spcAft>
-                <a:spcPts val="0"/>
-              </a:spcAft>
-              <a:buNone/>
+            <a:pPr marL="228600" lvl="0" indent="-139700" algn="l" rtl="0">
+              <a:spcBef>
+                <a:spcPts val="0"/>
+              </a:spcBef>
+              <a:spcAft>
+                <a:spcPts val="0"/>
+              </a:spcAft>
+              <a:buClr>
+                <a:schemeClr val="dk1"/>
+              </a:buClr>
+              <a:buSzPts val="1300"/>
+              <a:buFont typeface="Calibri"/>
+              <a:buChar char="●"/>
             </a:pPr>
             <a:r>
               <a:rPr lang="en" sz="1300">
@@ -15489,7 +15669,7 @@
                 <a:cs typeface="Calibri"/>
                 <a:sym typeface="Calibri"/>
               </a:rPr>
-              <a:t>Thermodynamic Computing: A type of probabilistic computing that harnesses noise and the tendency of systems to minimize energy to perform computations. Startups like exaTropic are developing this technology, claiming significant energy efficiency gains over GPUs.</a:t>
+              <a:t>Developing probabilistic computers involves overcoming hardware and software challenges.</a:t>
             </a:r>
             <a:endParaRPr sz="1300">
               <a:solidFill>
@@ -15502,26 +15682,38 @@
             </a:endParaRPr>
           </a:p>
           <a:p>
-            <a:pPr marL="0" lvl="0" indent="0" algn="l" rtl="0">
-              <a:spcBef>
-                <a:spcPts val="0"/>
-              </a:spcBef>
-              <a:spcAft>
-                <a:spcPts val="0"/>
-              </a:spcAft>
-              <a:buNone/>
-            </a:pPr>
-            <a:r>
-              <a:rPr lang="en" sz="1300">
-                <a:solidFill>
-                  <a:schemeClr val="dk1"/>
-                </a:solidFill>
-                <a:latin typeface="Calibri"/>
-                <a:ea typeface="Calibri"/>
-                <a:cs typeface="Calibri"/>
-                <a:sym typeface="Calibri"/>
-              </a:rPr>
-              <a:t>P-bits vs. Qubits: While sharing some similarities with quantum bits (qubits), p-bits are purely classical and operate at room temperature.</a:t>
+            <a:pPr marL="228600" lvl="0" indent="-139700" algn="l" rtl="0">
+              <a:spcBef>
+                <a:spcPts val="0"/>
+              </a:spcBef>
+              <a:spcAft>
+                <a:spcPts val="0"/>
+              </a:spcAft>
+              <a:buClr>
+                <a:schemeClr val="dk1"/>
+              </a:buClr>
+              <a:buSzPts val="1300"/>
+              <a:buFont typeface="Calibri"/>
+              <a:buChar char="●"/>
+            </a:pPr>
+            <a:r>
+              <a:rPr lang="en" sz="1300" u="sng">
+                <a:solidFill>
+                  <a:schemeClr val="accent5"/>
+                </a:solidFill>
+                <a:latin typeface="Calibri"/>
+                <a:ea typeface="Calibri"/>
+                <a:cs typeface="Calibri"/>
+                <a:sym typeface="Calibri"/>
+                <a:hlinkClick r:id="rId5">
+                  <a:extLst>
+                    <a:ext uri="{A12FA001-AC4F-418D-AE19-62706E023703}">
+                      <ahyp:hlinkClr xmlns:ahyp="http://schemas.microsoft.com/office/drawing/2018/hyperlinkcolor" val="tx"/>
+                    </a:ext>
+                  </a:extLst>
+                </a:hlinkClick>
+              </a:rPr>
+              <a:t>https://www.youtube.com/watch?v=hJUHrrihzOQ</a:t>
             </a:r>
             <a:endParaRPr sz="1300">
               <a:solidFill>
@@ -15533,173 +15725,31 @@
               <a:sym typeface="Calibri"/>
             </a:endParaRPr>
           </a:p>
-          <a:p>
-            <a:pPr marL="0" lvl="0" indent="0" algn="l" rtl="0">
-              <a:spcBef>
-                <a:spcPts val="0"/>
-              </a:spcBef>
-              <a:spcAft>
-                <a:spcPts val="0"/>
-              </a:spcAft>
-              <a:buNone/>
-            </a:pPr>
-            <a:r>
-              <a:rPr lang="en" sz="1300">
-                <a:solidFill>
-                  <a:schemeClr val="dk1"/>
-                </a:solidFill>
-                <a:latin typeface="Calibri"/>
-                <a:ea typeface="Calibri"/>
-                <a:cs typeface="Calibri"/>
-                <a:sym typeface="Calibri"/>
-              </a:rPr>
-              <a:t>Implementation: P-bits can be built using various technologies, including superconducting Josephson junctions (JJs) and magnetic memory cells.</a:t>
-            </a:r>
-            <a:endParaRPr sz="1300">
-              <a:solidFill>
-                <a:schemeClr val="dk1"/>
-              </a:solidFill>
-              <a:latin typeface="Calibri"/>
-              <a:ea typeface="Calibri"/>
-              <a:cs typeface="Calibri"/>
-              <a:sym typeface="Calibri"/>
-            </a:endParaRPr>
-          </a:p>
-          <a:p>
-            <a:pPr marL="0" lvl="0" indent="0" algn="l" rtl="0">
-              <a:spcBef>
-                <a:spcPts val="0"/>
-              </a:spcBef>
-              <a:spcAft>
-                <a:spcPts val="0"/>
-              </a:spcAft>
-              <a:buNone/>
-            </a:pPr>
-            <a:r>
-              <a:rPr lang="en" sz="1300">
-                <a:solidFill>
-                  <a:schemeClr val="dk1"/>
-                </a:solidFill>
-                <a:latin typeface="Calibri"/>
-                <a:ea typeface="Calibri"/>
-                <a:cs typeface="Calibri"/>
-                <a:sym typeface="Calibri"/>
-              </a:rPr>
-              <a:t>Applications: Probabilistic computers excel in areas where uncertainty is inherent, such as AI, machine learning, and simulations. They are not meant to replace digital computers entirely but offer advantages for specific tasks.</a:t>
-            </a:r>
-            <a:endParaRPr sz="1300">
-              <a:solidFill>
-                <a:schemeClr val="dk1"/>
-              </a:solidFill>
-              <a:latin typeface="Calibri"/>
-              <a:ea typeface="Calibri"/>
-              <a:cs typeface="Calibri"/>
-              <a:sym typeface="Calibri"/>
-            </a:endParaRPr>
-          </a:p>
-          <a:p>
-            <a:pPr marL="0" lvl="0" indent="0" algn="l" rtl="0">
-              <a:spcBef>
-                <a:spcPts val="0"/>
-              </a:spcBef>
-              <a:spcAft>
-                <a:spcPts val="0"/>
-              </a:spcAft>
-              <a:buNone/>
-            </a:pPr>
-            <a:r>
-              <a:rPr lang="en" sz="1300">
-                <a:solidFill>
-                  <a:schemeClr val="dk1"/>
-                </a:solidFill>
-                <a:latin typeface="Calibri"/>
-                <a:ea typeface="Calibri"/>
-                <a:cs typeface="Calibri"/>
-                <a:sym typeface="Calibri"/>
-              </a:rPr>
-              <a:t>Challenges and Future: Developing probabilistic computers involves overcoming hardware and software challenges. ExaTropic is working on silicon-based thermodynamic chips for improved scalability. The video also touches on the potential of this technology and the need to demonstrate "probabilistic supremacy."</a:t>
-            </a:r>
-            <a:endParaRPr sz="1300">
-              <a:solidFill>
-                <a:schemeClr val="dk1"/>
-              </a:solidFill>
-              <a:latin typeface="Calibri"/>
-              <a:ea typeface="Calibri"/>
-              <a:cs typeface="Calibri"/>
-              <a:sym typeface="Calibri"/>
-            </a:endParaRPr>
-          </a:p>
-          <a:p>
-            <a:pPr marL="0" lvl="0" indent="0" algn="l" rtl="0">
-              <a:spcBef>
-                <a:spcPts val="0"/>
-              </a:spcBef>
-              <a:spcAft>
-                <a:spcPts val="0"/>
-              </a:spcAft>
-              <a:buNone/>
-            </a:pPr>
-            <a:r>
-              <a:rPr lang="en" sz="1300">
-                <a:solidFill>
-                  <a:schemeClr val="dk1"/>
-                </a:solidFill>
-                <a:latin typeface="Calibri"/>
-                <a:ea typeface="Calibri"/>
-                <a:cs typeface="Calibri"/>
-                <a:sym typeface="Calibri"/>
-              </a:rPr>
-              <a:t>Essentially, the video argues that probabilistic computing, particularly thermodynamic computing, presents a promising new direction with the potential to revolutionize AI and other fields by offering a more efficient way to handle probabilistic problems.</a:t>
-            </a:r>
-            <a:endParaRPr sz="1300">
-              <a:solidFill>
-                <a:schemeClr val="dk1"/>
-              </a:solidFill>
-              <a:latin typeface="Calibri"/>
-              <a:ea typeface="Calibri"/>
-              <a:cs typeface="Calibri"/>
-              <a:sym typeface="Calibri"/>
-            </a:endParaRPr>
-          </a:p>
-          <a:p>
-            <a:pPr marL="0" lvl="0" indent="0" algn="l" rtl="0">
-              <a:spcBef>
-                <a:spcPts val="0"/>
-              </a:spcBef>
-              <a:spcAft>
-                <a:spcPts val="0"/>
-              </a:spcAft>
-              <a:buNone/>
-            </a:pPr>
-            <a:endParaRPr sz="1300">
-              <a:solidFill>
-                <a:schemeClr val="dk1"/>
-              </a:solidFill>
-              <a:latin typeface="Calibri"/>
-              <a:ea typeface="Calibri"/>
-              <a:cs typeface="Calibri"/>
-              <a:sym typeface="Calibri"/>
-            </a:endParaRPr>
-          </a:p>
         </p:txBody>
       </p:sp>
-      <p:sp>
-        <p:nvSpPr>
+      <p:pic>
+        <p:nvPicPr>
           <p:cNvPr id="178" name="Google Shape;178;p27"/>
-          <p:cNvSpPr txBox="1"/>
+          <p:cNvPicPr preferRelativeResize="0"/>
           <p:nvPr/>
-        </p:nvSpPr>
+        </p:nvPicPr>
+        <p:blipFill>
+          <a:blip r:embed="rId6">
+            <a:alphaModFix/>
+          </a:blip>
+          <a:stretch>
+            <a:fillRect/>
+          </a:stretch>
+        </p:blipFill>
         <p:spPr>
           <a:xfrm>
-            <a:off x="4634075" y="95625"/>
-            <a:ext cx="4432800" cy="8422800"/>
+            <a:off x="5316750" y="2604125"/>
+            <a:ext cx="2771775" cy="1647825"/>
           </a:xfrm>
           <a:prstGeom prst="rect">
             <a:avLst/>
           </a:prstGeom>
-          <a:solidFill>
-            <a:srgbClr val="FFF2CC"/>
-          </a:solidFill>
+          <a:noFill/>
           <a:ln w="9525" cap="flat" cmpd="sng">
             <a:solidFill>
               <a:srgbClr val="FF0000"/>
@@ -15710,453 +15760,35 @@
             <a:tailEnd type="none" w="sm" len="sm"/>
           </a:ln>
         </p:spPr>
-        <p:txBody>
-          <a:bodyPr spcFirstLastPara="1" wrap="square" lIns="9125" tIns="9125" rIns="9125" bIns="9125" anchor="t" anchorCtr="0">
-            <a:spAutoFit/>
-          </a:bodyPr>
-          <a:lstStyle/>
-          <a:p>
-            <a:pPr marL="0" lvl="0" indent="0" algn="l" rtl="0">
-              <a:spcBef>
-                <a:spcPts val="0"/>
-              </a:spcBef>
-              <a:spcAft>
-                <a:spcPts val="0"/>
-              </a:spcAft>
-              <a:buClr>
-                <a:schemeClr val="dk1"/>
-              </a:buClr>
-              <a:buSzPts val="1100"/>
-              <a:buFont typeface="Arial"/>
-              <a:buNone/>
-            </a:pPr>
-            <a:r>
-              <a:rPr lang="en" sz="1300">
-                <a:solidFill>
-                  <a:schemeClr val="dk1"/>
-                </a:solidFill>
-                <a:latin typeface="Calibri"/>
-                <a:ea typeface="Calibri"/>
-                <a:cs typeface="Calibri"/>
-                <a:sym typeface="Calibri"/>
-              </a:rPr>
-              <a:t>The video claims that probabilistic computers, specifically those using thermodynamic principles like the ones being developed by exaTropic, could be up to 100 million times more energy-efficient than GPUs for certain tasks.</a:t>
-            </a:r>
-            <a:endParaRPr sz="1300">
-              <a:solidFill>
-                <a:schemeClr val="dk1"/>
-              </a:solidFill>
-              <a:latin typeface="Calibri"/>
-              <a:ea typeface="Calibri"/>
-              <a:cs typeface="Calibri"/>
-              <a:sym typeface="Calibri"/>
-            </a:endParaRPr>
-          </a:p>
-          <a:p>
-            <a:pPr marL="0" lvl="0" indent="0" algn="l" rtl="0">
-              <a:spcBef>
-                <a:spcPts val="0"/>
-              </a:spcBef>
-              <a:spcAft>
-                <a:spcPts val="0"/>
-              </a:spcAft>
-              <a:buClr>
-                <a:schemeClr val="dk1"/>
-              </a:buClr>
-              <a:buSzPts val="1100"/>
-              <a:buFont typeface="Arial"/>
-              <a:buNone/>
-            </a:pPr>
-            <a:endParaRPr sz="1300">
-              <a:solidFill>
-                <a:schemeClr val="dk1"/>
-              </a:solidFill>
-              <a:latin typeface="Calibri"/>
-              <a:ea typeface="Calibri"/>
-              <a:cs typeface="Calibri"/>
-              <a:sym typeface="Calibri"/>
-            </a:endParaRPr>
-          </a:p>
-          <a:p>
-            <a:pPr marL="0" lvl="0" indent="0" algn="l" rtl="0">
-              <a:spcBef>
-                <a:spcPts val="0"/>
-              </a:spcBef>
-              <a:spcAft>
-                <a:spcPts val="0"/>
-              </a:spcAft>
-              <a:buClr>
-                <a:schemeClr val="dk1"/>
-              </a:buClr>
-              <a:buSzPts val="1100"/>
-              <a:buFont typeface="Arial"/>
-              <a:buNone/>
-            </a:pPr>
-            <a:r>
-              <a:rPr lang="en" sz="1300">
-                <a:solidFill>
-                  <a:schemeClr val="dk1"/>
-                </a:solidFill>
-                <a:latin typeface="Calibri"/>
-                <a:ea typeface="Calibri"/>
-                <a:cs typeface="Calibri"/>
-                <a:sym typeface="Calibri"/>
-              </a:rPr>
-              <a:t>Here are the main ideas:</a:t>
-            </a:r>
-            <a:endParaRPr sz="1300">
-              <a:solidFill>
-                <a:schemeClr val="dk1"/>
-              </a:solidFill>
-              <a:latin typeface="Calibri"/>
-              <a:ea typeface="Calibri"/>
-              <a:cs typeface="Calibri"/>
-              <a:sym typeface="Calibri"/>
-            </a:endParaRPr>
-          </a:p>
-          <a:p>
-            <a:pPr marL="0" lvl="0" indent="0" algn="l" rtl="0">
-              <a:spcBef>
-                <a:spcPts val="0"/>
-              </a:spcBef>
-              <a:spcAft>
-                <a:spcPts val="0"/>
-              </a:spcAft>
-              <a:buClr>
-                <a:schemeClr val="dk1"/>
-              </a:buClr>
-              <a:buSzPts val="1100"/>
-              <a:buFont typeface="Arial"/>
-              <a:buNone/>
-            </a:pPr>
-            <a:endParaRPr sz="1300">
-              <a:solidFill>
-                <a:schemeClr val="dk1"/>
-              </a:solidFill>
-              <a:latin typeface="Calibri"/>
-              <a:ea typeface="Calibri"/>
-              <a:cs typeface="Calibri"/>
-              <a:sym typeface="Calibri"/>
-            </a:endParaRPr>
-          </a:p>
-          <a:p>
-            <a:pPr marL="0" lvl="0" indent="0" algn="l" rtl="0">
-              <a:spcBef>
-                <a:spcPts val="0"/>
-              </a:spcBef>
-              <a:spcAft>
-                <a:spcPts val="0"/>
-              </a:spcAft>
-              <a:buClr>
-                <a:schemeClr val="dk1"/>
-              </a:buClr>
-              <a:buSzPts val="1100"/>
-              <a:buFont typeface="Arial"/>
-              <a:buNone/>
-            </a:pPr>
-            <a:r>
-              <a:rPr lang="en" sz="1300">
-                <a:solidFill>
-                  <a:schemeClr val="dk1"/>
-                </a:solidFill>
-                <a:latin typeface="Calibri"/>
-                <a:ea typeface="Calibri"/>
-                <a:cs typeface="Calibri"/>
-                <a:sym typeface="Calibri"/>
-              </a:rPr>
-              <a:t>Limitations of Digital Computing: Traditional digital computers, based on transistors and binary logic, are reaching their physical limits and struggle with probabilistic problems common in AI and simulations.</a:t>
-            </a:r>
-            <a:endParaRPr sz="1300">
-              <a:solidFill>
-                <a:schemeClr val="dk1"/>
-              </a:solidFill>
-              <a:latin typeface="Calibri"/>
-              <a:ea typeface="Calibri"/>
-              <a:cs typeface="Calibri"/>
-              <a:sym typeface="Calibri"/>
-            </a:endParaRPr>
-          </a:p>
-          <a:p>
-            <a:pPr marL="0" lvl="0" indent="0" algn="l" rtl="0">
-              <a:spcBef>
-                <a:spcPts val="0"/>
-              </a:spcBef>
-              <a:spcAft>
-                <a:spcPts val="0"/>
-              </a:spcAft>
-              <a:buClr>
-                <a:schemeClr val="dk1"/>
-              </a:buClr>
-              <a:buSzPts val="1100"/>
-              <a:buFont typeface="Arial"/>
-              <a:buNone/>
-            </a:pPr>
-            <a:r>
-              <a:rPr lang="en" sz="1300">
-                <a:solidFill>
-                  <a:schemeClr val="dk1"/>
-                </a:solidFill>
-                <a:latin typeface="Calibri"/>
-                <a:ea typeface="Calibri"/>
-                <a:cs typeface="Calibri"/>
-                <a:sym typeface="Calibri"/>
-              </a:rPr>
-              <a:t>Probabilistic Computing: This new approach utilizes probabilistic bits (p-bits) that fluctuate between states, mimicking the uncertainty found in natural processes. This makes them well-suited for tasks like optimization, AI, and machine learning.</a:t>
-            </a:r>
-            <a:endParaRPr sz="1300">
-              <a:solidFill>
-                <a:schemeClr val="dk1"/>
-              </a:solidFill>
-              <a:latin typeface="Calibri"/>
-              <a:ea typeface="Calibri"/>
-              <a:cs typeface="Calibri"/>
-              <a:sym typeface="Calibri"/>
-            </a:endParaRPr>
-          </a:p>
-          <a:p>
-            <a:pPr marL="0" lvl="0" indent="0" algn="l" rtl="0">
-              <a:spcBef>
-                <a:spcPts val="0"/>
-              </a:spcBef>
-              <a:spcAft>
-                <a:spcPts val="0"/>
-              </a:spcAft>
-              <a:buClr>
-                <a:schemeClr val="dk1"/>
-              </a:buClr>
-              <a:buSzPts val="1100"/>
-              <a:buFont typeface="Arial"/>
-              <a:buNone/>
-            </a:pPr>
-            <a:r>
-              <a:rPr lang="en" sz="1300">
-                <a:solidFill>
-                  <a:schemeClr val="dk1"/>
-                </a:solidFill>
-                <a:latin typeface="Calibri"/>
-                <a:ea typeface="Calibri"/>
-                <a:cs typeface="Calibri"/>
-                <a:sym typeface="Calibri"/>
-              </a:rPr>
-              <a:t>Thermodynamic Computing: A type of probabilistic computing that harnesses noise and the tendency of systems to minimize energy to perform computations. Startups like exaTropic are developing this technology, claiming significant energy efficiency gains over GPUs.</a:t>
-            </a:r>
-            <a:endParaRPr sz="1300">
-              <a:solidFill>
-                <a:schemeClr val="dk1"/>
-              </a:solidFill>
-              <a:latin typeface="Calibri"/>
-              <a:ea typeface="Calibri"/>
-              <a:cs typeface="Calibri"/>
-              <a:sym typeface="Calibri"/>
-            </a:endParaRPr>
-          </a:p>
-          <a:p>
-            <a:pPr marL="0" lvl="0" indent="0" algn="l" rtl="0">
-              <a:spcBef>
-                <a:spcPts val="0"/>
-              </a:spcBef>
-              <a:spcAft>
-                <a:spcPts val="0"/>
-              </a:spcAft>
-              <a:buClr>
-                <a:schemeClr val="dk1"/>
-              </a:buClr>
-              <a:buSzPts val="1100"/>
-              <a:buFont typeface="Arial"/>
-              <a:buNone/>
-            </a:pPr>
-            <a:r>
-              <a:rPr lang="en" sz="1300">
-                <a:solidFill>
-                  <a:schemeClr val="dk1"/>
-                </a:solidFill>
-                <a:latin typeface="Calibri"/>
-                <a:ea typeface="Calibri"/>
-                <a:cs typeface="Calibri"/>
-                <a:sym typeface="Calibri"/>
-              </a:rPr>
-              <a:t>P-bits vs. Qubits: While sharing some similarities with quantum bits (qubits), p-bits are purely classical and operate at room temperature.</a:t>
-            </a:r>
-            <a:endParaRPr sz="1300">
-              <a:solidFill>
-                <a:schemeClr val="dk1"/>
-              </a:solidFill>
-              <a:latin typeface="Calibri"/>
-              <a:ea typeface="Calibri"/>
-              <a:cs typeface="Calibri"/>
-              <a:sym typeface="Calibri"/>
-            </a:endParaRPr>
-          </a:p>
-          <a:p>
-            <a:pPr marL="0" lvl="0" indent="0" algn="l" rtl="0">
-              <a:spcBef>
-                <a:spcPts val="0"/>
-              </a:spcBef>
-              <a:spcAft>
-                <a:spcPts val="0"/>
-              </a:spcAft>
-              <a:buClr>
-                <a:schemeClr val="dk1"/>
-              </a:buClr>
-              <a:buSzPts val="1100"/>
-              <a:buFont typeface="Arial"/>
-              <a:buNone/>
-            </a:pPr>
-            <a:r>
-              <a:rPr lang="en" sz="1300">
-                <a:solidFill>
-                  <a:schemeClr val="dk1"/>
-                </a:solidFill>
-                <a:latin typeface="Calibri"/>
-                <a:ea typeface="Calibri"/>
-                <a:cs typeface="Calibri"/>
-                <a:sym typeface="Calibri"/>
-              </a:rPr>
-              <a:t>Implementation: P-bits can be built using various technologies, including superconducting Josephson junctions (JJs) and magnetic memory cells.</a:t>
-            </a:r>
-            <a:endParaRPr sz="1300">
-              <a:solidFill>
-                <a:schemeClr val="dk1"/>
-              </a:solidFill>
-              <a:latin typeface="Calibri"/>
-              <a:ea typeface="Calibri"/>
-              <a:cs typeface="Calibri"/>
-              <a:sym typeface="Calibri"/>
-            </a:endParaRPr>
-          </a:p>
-          <a:p>
-            <a:pPr marL="0" lvl="0" indent="0" algn="l" rtl="0">
-              <a:spcBef>
-                <a:spcPts val="0"/>
-              </a:spcBef>
-              <a:spcAft>
-                <a:spcPts val="0"/>
-              </a:spcAft>
-              <a:buClr>
-                <a:schemeClr val="dk1"/>
-              </a:buClr>
-              <a:buSzPts val="1100"/>
-              <a:buFont typeface="Arial"/>
-              <a:buNone/>
-            </a:pPr>
-            <a:r>
-              <a:rPr lang="en" sz="1300">
-                <a:solidFill>
-                  <a:schemeClr val="dk1"/>
-                </a:solidFill>
-                <a:latin typeface="Calibri"/>
-                <a:ea typeface="Calibri"/>
-                <a:cs typeface="Calibri"/>
-                <a:sym typeface="Calibri"/>
-              </a:rPr>
-              <a:t>Applications: Probabilistic computers excel in areas where uncertainty is inherent, such as AI, machine learning, and simulations. They are not meant to replace digital computers entirely but offer advantages for specific tasks.</a:t>
-            </a:r>
-            <a:endParaRPr sz="1300">
-              <a:solidFill>
-                <a:schemeClr val="dk1"/>
-              </a:solidFill>
-              <a:latin typeface="Calibri"/>
-              <a:ea typeface="Calibri"/>
-              <a:cs typeface="Calibri"/>
-              <a:sym typeface="Calibri"/>
-            </a:endParaRPr>
-          </a:p>
-          <a:p>
-            <a:pPr marL="0" lvl="0" indent="0" algn="l" rtl="0">
-              <a:spcBef>
-                <a:spcPts val="0"/>
-              </a:spcBef>
-              <a:spcAft>
-                <a:spcPts val="0"/>
-              </a:spcAft>
-              <a:buClr>
-                <a:schemeClr val="dk1"/>
-              </a:buClr>
-              <a:buSzPts val="1100"/>
-              <a:buFont typeface="Arial"/>
-              <a:buNone/>
-            </a:pPr>
-            <a:r>
-              <a:rPr lang="en" sz="1300">
-                <a:solidFill>
-                  <a:schemeClr val="dk1"/>
-                </a:solidFill>
-                <a:latin typeface="Calibri"/>
-                <a:ea typeface="Calibri"/>
-                <a:cs typeface="Calibri"/>
-                <a:sym typeface="Calibri"/>
-              </a:rPr>
-              <a:t>Challenges and Future: Developing probabilistic computers involves overcoming hardware and software challenges. ExaTropic is working on silicon-based thermodynamic chips for improved scalability. The video also touches on the potential of this technology and the need to demonstrate "probabilistic supremacy."</a:t>
-            </a:r>
-            <a:endParaRPr sz="1300">
-              <a:solidFill>
-                <a:schemeClr val="dk1"/>
-              </a:solidFill>
-              <a:latin typeface="Calibri"/>
-              <a:ea typeface="Calibri"/>
-              <a:cs typeface="Calibri"/>
-              <a:sym typeface="Calibri"/>
-            </a:endParaRPr>
-          </a:p>
-          <a:p>
-            <a:pPr marL="0" lvl="0" indent="0" algn="l" rtl="0">
-              <a:spcBef>
-                <a:spcPts val="0"/>
-              </a:spcBef>
-              <a:spcAft>
-                <a:spcPts val="0"/>
-              </a:spcAft>
-              <a:buClr>
-                <a:schemeClr val="dk1"/>
-              </a:buClr>
-              <a:buSzPts val="1100"/>
-              <a:buFont typeface="Arial"/>
-              <a:buNone/>
-            </a:pPr>
-            <a:r>
-              <a:rPr lang="en" sz="1300">
-                <a:solidFill>
-                  <a:schemeClr val="dk1"/>
-                </a:solidFill>
-                <a:latin typeface="Calibri"/>
-                <a:ea typeface="Calibri"/>
-                <a:cs typeface="Calibri"/>
-                <a:sym typeface="Calibri"/>
-              </a:rPr>
-              <a:t>Essentially, the video argues that probabilistic computing, particularly thermodynamic computing, presents a promising new direction with the potential to revolutionize AI and other fields by offering a more efficient way to handle probabilistic problems.</a:t>
-            </a:r>
-            <a:endParaRPr sz="1300">
-              <a:solidFill>
-                <a:schemeClr val="dk1"/>
-              </a:solidFill>
-              <a:latin typeface="Calibri"/>
-              <a:ea typeface="Calibri"/>
-              <a:cs typeface="Calibri"/>
-              <a:sym typeface="Calibri"/>
-            </a:endParaRPr>
-          </a:p>
-          <a:p>
-            <a:pPr marL="0" lvl="0" indent="0" algn="l" rtl="0">
-              <a:spcBef>
-                <a:spcPts val="0"/>
-              </a:spcBef>
-              <a:spcAft>
-                <a:spcPts val="0"/>
-              </a:spcAft>
-              <a:buNone/>
-            </a:pPr>
-            <a:endParaRPr sz="1300">
-              <a:solidFill>
-                <a:schemeClr val="dk1"/>
-              </a:solidFill>
-              <a:latin typeface="Calibri"/>
-              <a:ea typeface="Calibri"/>
-              <a:cs typeface="Calibri"/>
-              <a:sym typeface="Calibri"/>
-            </a:endParaRPr>
-          </a:p>
-        </p:txBody>
-      </p:sp>
+      </p:pic>
+      <p:pic>
+        <p:nvPicPr>
+          <p:cNvPr id="179" name="Google Shape;179;p27"/>
+          <p:cNvPicPr preferRelativeResize="0"/>
+          <p:nvPr/>
+        </p:nvPicPr>
+        <p:blipFill>
+          <a:blip r:embed="rId7">
+            <a:alphaModFix/>
+          </a:blip>
+          <a:stretch>
+            <a:fillRect/>
+          </a:stretch>
+        </p:blipFill>
+        <p:spPr>
+          <a:xfrm>
+            <a:off x="5211975" y="576175"/>
+            <a:ext cx="2952750" cy="1552575"/>
+          </a:xfrm>
+          <a:prstGeom prst="rect">
+            <a:avLst/>
+          </a:prstGeom>
+          <a:noFill/>
+          <a:ln>
+            <a:noFill/>
+          </a:ln>
+        </p:spPr>
+      </p:pic>
     </p:spTree>
   </p:cSld>
   <p:clrMapOvr>
@@ -16170,7 +15802,7 @@
   <p:cSld>
     <p:spTree>
       <p:nvGrpSpPr>
-        <p:cNvPr id="1" name="Shape 182"/>
+        <p:cNvPr id="1" name="Shape 183"/>
         <p:cNvGrpSpPr/>
         <p:nvPr/>
       </p:nvGrpSpPr>
@@ -16184,7 +15816,7 @@
       </p:grpSpPr>
       <p:sp>
         <p:nvSpPr>
-          <p:cNvPr id="183" name="Google Shape;183;p28"/>
+          <p:cNvPr id="184" name="Google Shape;184;p28"/>
           <p:cNvSpPr txBox="1"/>
           <p:nvPr/>
         </p:nvSpPr>
@@ -16247,7 +15879,7 @@
       </p:sp>
       <p:sp>
         <p:nvSpPr>
-          <p:cNvPr id="184" name="Google Shape;184;p28"/>
+          <p:cNvPr id="185" name="Google Shape;185;p28"/>
           <p:cNvSpPr txBox="1"/>
           <p:nvPr/>
         </p:nvSpPr>
@@ -16726,7 +16358,7 @@
       </p:sp>
       <p:pic>
         <p:nvPicPr>
-          <p:cNvPr id="185" name="Google Shape;185;p28"/>
+          <p:cNvPr id="186" name="Google Shape;186;p28"/>
           <p:cNvPicPr preferRelativeResize="0"/>
           <p:nvPr/>
         </p:nvPicPr>
@@ -16770,7 +16402,7 @@
   <p:cSld>
     <p:spTree>
       <p:nvGrpSpPr>
-        <p:cNvPr id="1" name="Shape 189"/>
+        <p:cNvPr id="1" name="Shape 190"/>
         <p:cNvGrpSpPr/>
         <p:nvPr/>
       </p:nvGrpSpPr>
@@ -16784,7 +16416,7 @@
       </p:grpSpPr>
       <p:sp>
         <p:nvSpPr>
-          <p:cNvPr id="190" name="Google Shape;190;p29"/>
+          <p:cNvPr id="191" name="Google Shape;191;p29"/>
           <p:cNvSpPr txBox="1"/>
           <p:nvPr/>
         </p:nvSpPr>
@@ -16898,7 +16530,7 @@
       </p:sp>
       <p:sp>
         <p:nvSpPr>
-          <p:cNvPr id="191" name="Google Shape;191;p29"/>
+          <p:cNvPr id="192" name="Google Shape;192;p29"/>
           <p:cNvSpPr txBox="1"/>
           <p:nvPr/>
         </p:nvSpPr>
@@ -16964,7 +16596,7 @@
       </p:sp>
       <p:sp>
         <p:nvSpPr>
-          <p:cNvPr id="192" name="Google Shape;192;p29"/>
+          <p:cNvPr id="193" name="Google Shape;193;p29"/>
           <p:cNvSpPr txBox="1"/>
           <p:nvPr/>
         </p:nvSpPr>
@@ -17055,7 +16687,7 @@
       </p:sp>
       <p:sp>
         <p:nvSpPr>
-          <p:cNvPr id="193" name="Google Shape;193;p29"/>
+          <p:cNvPr id="194" name="Google Shape;194;p29"/>
           <p:cNvSpPr txBox="1"/>
           <p:nvPr/>
         </p:nvSpPr>
@@ -17129,7 +16761,7 @@
       </p:sp>
       <p:sp>
         <p:nvSpPr>
-          <p:cNvPr id="194" name="Google Shape;194;p29"/>
+          <p:cNvPr id="195" name="Google Shape;195;p29"/>
           <p:cNvSpPr/>
           <p:nvPr/>
         </p:nvSpPr>
@@ -17175,7 +16807,7 @@
       </p:sp>
       <p:sp>
         <p:nvSpPr>
-          <p:cNvPr id="195" name="Google Shape;195;p29"/>
+          <p:cNvPr id="196" name="Google Shape;196;p29"/>
           <p:cNvSpPr/>
           <p:nvPr/>
         </p:nvSpPr>
@@ -17221,7 +16853,7 @@
       </p:sp>
       <p:sp>
         <p:nvSpPr>
-          <p:cNvPr id="196" name="Google Shape;196;p29"/>
+          <p:cNvPr id="197" name="Google Shape;197;p29"/>
           <p:cNvSpPr/>
           <p:nvPr/>
         </p:nvSpPr>
@@ -17267,7 +16899,7 @@
       </p:sp>
       <p:sp>
         <p:nvSpPr>
-          <p:cNvPr id="197" name="Google Shape;197;p29"/>
+          <p:cNvPr id="198" name="Google Shape;198;p29"/>
           <p:cNvSpPr/>
           <p:nvPr/>
         </p:nvSpPr>
@@ -17313,7 +16945,7 @@
       </p:sp>
       <p:sp>
         <p:nvSpPr>
-          <p:cNvPr id="198" name="Google Shape;198;p29"/>
+          <p:cNvPr id="199" name="Google Shape;199;p29"/>
           <p:cNvSpPr txBox="1"/>
           <p:nvPr/>
         </p:nvSpPr>
@@ -17474,7 +17106,7 @@
       </p:sp>
       <p:sp>
         <p:nvSpPr>
-          <p:cNvPr id="199" name="Google Shape;199;p29"/>
+          <p:cNvPr id="200" name="Google Shape;200;p29"/>
           <p:cNvSpPr txBox="1"/>
           <p:nvPr/>
         </p:nvSpPr>
@@ -17549,7 +17181,7 @@
       </p:sp>
       <p:sp>
         <p:nvSpPr>
-          <p:cNvPr id="200" name="Google Shape;200;p29"/>
+          <p:cNvPr id="201" name="Google Shape;201;p29"/>
           <p:cNvSpPr txBox="1"/>
           <p:nvPr/>
         </p:nvSpPr>
@@ -17620,7 +17252,7 @@
       </p:sp>
       <p:sp>
         <p:nvSpPr>
-          <p:cNvPr id="201" name="Google Shape;201;p29"/>
+          <p:cNvPr id="202" name="Google Shape;202;p29"/>
           <p:cNvSpPr txBox="1"/>
           <p:nvPr/>
         </p:nvSpPr>
@@ -17691,7 +17323,7 @@
       </p:sp>
       <p:sp>
         <p:nvSpPr>
-          <p:cNvPr id="202" name="Google Shape;202;p29"/>
+          <p:cNvPr id="203" name="Google Shape;203;p29"/>
           <p:cNvSpPr/>
           <p:nvPr/>
         </p:nvSpPr>
@@ -17737,7 +17369,7 @@
       </p:sp>
       <p:sp>
         <p:nvSpPr>
-          <p:cNvPr id="203" name="Google Shape;203;p29"/>
+          <p:cNvPr id="204" name="Google Shape;204;p29"/>
           <p:cNvSpPr txBox="1"/>
           <p:nvPr/>
         </p:nvSpPr>
@@ -17812,7 +17444,7 @@
       </p:sp>
       <p:sp>
         <p:nvSpPr>
-          <p:cNvPr id="204" name="Google Shape;204;p29"/>
+          <p:cNvPr id="205" name="Google Shape;205;p29"/>
           <p:cNvSpPr/>
           <p:nvPr/>
         </p:nvSpPr>
@@ -17858,7 +17490,7 @@
       </p:sp>
       <p:sp>
         <p:nvSpPr>
-          <p:cNvPr id="205" name="Google Shape;205;p29"/>
+          <p:cNvPr id="206" name="Google Shape;206;p29"/>
           <p:cNvSpPr txBox="1"/>
           <p:nvPr/>
         </p:nvSpPr>
@@ -17933,7 +17565,7 @@
       </p:sp>
       <p:sp>
         <p:nvSpPr>
-          <p:cNvPr id="206" name="Google Shape;206;p29"/>
+          <p:cNvPr id="207" name="Google Shape;207;p29"/>
           <p:cNvSpPr txBox="1"/>
           <p:nvPr/>
         </p:nvSpPr>
@@ -18008,7 +17640,7 @@
       </p:sp>
       <p:sp>
         <p:nvSpPr>
-          <p:cNvPr id="207" name="Google Shape;207;p29"/>
+          <p:cNvPr id="208" name="Google Shape;208;p29"/>
           <p:cNvSpPr/>
           <p:nvPr/>
         </p:nvSpPr>
@@ -18054,7 +17686,7 @@
       </p:sp>
       <p:sp>
         <p:nvSpPr>
-          <p:cNvPr id="208" name="Google Shape;208;p29"/>
+          <p:cNvPr id="209" name="Google Shape;209;p29"/>
           <p:cNvSpPr/>
           <p:nvPr/>
         </p:nvSpPr>
@@ -18100,7 +17732,7 @@
       </p:sp>
       <p:sp>
         <p:nvSpPr>
-          <p:cNvPr id="209" name="Google Shape;209;p29"/>
+          <p:cNvPr id="210" name="Google Shape;210;p29"/>
           <p:cNvSpPr/>
           <p:nvPr/>
         </p:nvSpPr>
@@ -18146,7 +17778,7 @@
       </p:sp>
       <p:sp>
         <p:nvSpPr>
-          <p:cNvPr id="210" name="Google Shape;210;p29"/>
+          <p:cNvPr id="211" name="Google Shape;211;p29"/>
           <p:cNvSpPr/>
           <p:nvPr/>
         </p:nvSpPr>
@@ -18192,7 +17824,7 @@
       </p:sp>
       <p:sp>
         <p:nvSpPr>
-          <p:cNvPr id="211" name="Google Shape;211;p29"/>
+          <p:cNvPr id="212" name="Google Shape;212;p29"/>
           <p:cNvSpPr txBox="1"/>
           <p:nvPr/>
         </p:nvSpPr>
@@ -18267,7 +17899,7 @@
       </p:sp>
       <p:pic>
         <p:nvPicPr>
-          <p:cNvPr id="212" name="Google Shape;212;p29"/>
+          <p:cNvPr id="213" name="Google Shape;213;p29"/>
           <p:cNvPicPr preferRelativeResize="0"/>
           <p:nvPr/>
         </p:nvPicPr>
@@ -18306,7 +17938,7 @@
       </p:pic>
       <p:pic>
         <p:nvPicPr>
-          <p:cNvPr id="213" name="Google Shape;213;p29"/>
+          <p:cNvPr id="214" name="Google Shape;214;p29"/>
           <p:cNvPicPr preferRelativeResize="0"/>
           <p:nvPr/>
         </p:nvPicPr>
@@ -18345,7 +17977,7 @@
       </p:pic>
       <p:sp>
         <p:nvSpPr>
-          <p:cNvPr id="214" name="Google Shape;214;p29"/>
+          <p:cNvPr id="215" name="Google Shape;215;p29"/>
           <p:cNvSpPr txBox="1"/>
           <p:nvPr/>
         </p:nvSpPr>
@@ -18420,7 +18052,7 @@
       </p:sp>
       <p:sp>
         <p:nvSpPr>
-          <p:cNvPr id="215" name="Google Shape;215;p29"/>
+          <p:cNvPr id="216" name="Google Shape;216;p29"/>
           <p:cNvSpPr/>
           <p:nvPr/>
         </p:nvSpPr>
@@ -18466,7 +18098,7 @@
       </p:sp>
       <p:sp>
         <p:nvSpPr>
-          <p:cNvPr id="216" name="Google Shape;216;p29"/>
+          <p:cNvPr id="217" name="Google Shape;217;p29"/>
           <p:cNvSpPr/>
           <p:nvPr/>
         </p:nvSpPr>
@@ -18523,7 +18155,7 @@
   <p:cSld>
     <p:spTree>
       <p:nvGrpSpPr>
-        <p:cNvPr id="1" name="Shape 220"/>
+        <p:cNvPr id="1" name="Shape 221"/>
         <p:cNvGrpSpPr/>
         <p:nvPr/>
       </p:nvGrpSpPr>
@@ -18537,7 +18169,7 @@
       </p:grpSpPr>
       <p:sp>
         <p:nvSpPr>
-          <p:cNvPr id="221" name="Google Shape;221;p30"/>
+          <p:cNvPr id="222" name="Google Shape;222;p30"/>
           <p:cNvSpPr txBox="1"/>
           <p:nvPr/>
         </p:nvSpPr>
@@ -18651,7 +18283,7 @@
       </p:sp>
       <p:sp>
         <p:nvSpPr>
-          <p:cNvPr id="222" name="Google Shape;222;p30"/>
+          <p:cNvPr id="223" name="Google Shape;223;p30"/>
           <p:cNvSpPr txBox="1"/>
           <p:nvPr/>
         </p:nvSpPr>
@@ -18717,7 +18349,7 @@
       </p:sp>
       <p:sp>
         <p:nvSpPr>
-          <p:cNvPr id="223" name="Google Shape;223;p30"/>
+          <p:cNvPr id="224" name="Google Shape;224;p30"/>
           <p:cNvSpPr txBox="1"/>
           <p:nvPr/>
         </p:nvSpPr>
@@ -18808,7 +18440,7 @@
       </p:sp>
       <p:sp>
         <p:nvSpPr>
-          <p:cNvPr id="224" name="Google Shape;224;p30"/>
+          <p:cNvPr id="225" name="Google Shape;225;p30"/>
           <p:cNvSpPr txBox="1"/>
           <p:nvPr/>
         </p:nvSpPr>
@@ -18882,7 +18514,7 @@
       </p:sp>
       <p:sp>
         <p:nvSpPr>
-          <p:cNvPr id="225" name="Google Shape;225;p30"/>
+          <p:cNvPr id="226" name="Google Shape;226;p30"/>
           <p:cNvSpPr txBox="1"/>
           <p:nvPr/>
         </p:nvSpPr>
@@ -19043,7 +18675,7 @@
       </p:sp>
       <p:sp>
         <p:nvSpPr>
-          <p:cNvPr id="226" name="Google Shape;226;p30"/>
+          <p:cNvPr id="227" name="Google Shape;227;p30"/>
           <p:cNvSpPr/>
           <p:nvPr/>
         </p:nvSpPr>
@@ -19089,7 +18721,7 @@
       </p:sp>
       <p:sp>
         <p:nvSpPr>
-          <p:cNvPr id="227" name="Google Shape;227;p30"/>
+          <p:cNvPr id="228" name="Google Shape;228;p30"/>
           <p:cNvSpPr/>
           <p:nvPr/>
         </p:nvSpPr>
@@ -19135,7 +18767,7 @@
       </p:sp>
       <p:sp>
         <p:nvSpPr>
-          <p:cNvPr id="228" name="Google Shape;228;p30"/>
+          <p:cNvPr id="229" name="Google Shape;229;p30"/>
           <p:cNvSpPr txBox="1"/>
           <p:nvPr/>
         </p:nvSpPr>
@@ -19210,7 +18842,7 @@
       </p:sp>
       <p:sp>
         <p:nvSpPr>
-          <p:cNvPr id="229" name="Google Shape;229;p30"/>
+          <p:cNvPr id="230" name="Google Shape;230;p30"/>
           <p:cNvSpPr/>
           <p:nvPr/>
         </p:nvSpPr>
@@ -19256,7 +18888,7 @@
       </p:sp>
       <p:sp>
         <p:nvSpPr>
-          <p:cNvPr id="230" name="Google Shape;230;p30"/>
+          <p:cNvPr id="231" name="Google Shape;231;p30"/>
           <p:cNvSpPr/>
           <p:nvPr/>
         </p:nvSpPr>
@@ -19302,7 +18934,7 @@
       </p:sp>
       <p:sp>
         <p:nvSpPr>
-          <p:cNvPr id="231" name="Google Shape;231;p30"/>
+          <p:cNvPr id="232" name="Google Shape;232;p30"/>
           <p:cNvSpPr/>
           <p:nvPr/>
         </p:nvSpPr>
@@ -19348,7 +18980,7 @@
       </p:sp>
       <p:sp>
         <p:nvSpPr>
-          <p:cNvPr id="232" name="Google Shape;232;p30"/>
+          <p:cNvPr id="233" name="Google Shape;233;p30"/>
           <p:cNvSpPr txBox="1"/>
           <p:nvPr/>
         </p:nvSpPr>
@@ -19423,7 +19055,7 @@
       </p:sp>
       <p:sp>
         <p:nvSpPr>
-          <p:cNvPr id="233" name="Google Shape;233;p30"/>
+          <p:cNvPr id="234" name="Google Shape;234;p30"/>
           <p:cNvSpPr txBox="1"/>
           <p:nvPr/>
         </p:nvSpPr>
@@ -19498,7 +19130,7 @@
       </p:sp>
       <p:sp>
         <p:nvSpPr>
-          <p:cNvPr id="234" name="Google Shape;234;p30"/>
+          <p:cNvPr id="235" name="Google Shape;235;p30"/>
           <p:cNvSpPr/>
           <p:nvPr/>
         </p:nvSpPr>
@@ -19544,7 +19176,7 @@
       </p:sp>
       <p:sp>
         <p:nvSpPr>
-          <p:cNvPr id="235" name="Google Shape;235;p30"/>
+          <p:cNvPr id="236" name="Google Shape;236;p30"/>
           <p:cNvSpPr txBox="1"/>
           <p:nvPr/>
         </p:nvSpPr>
@@ -19619,7 +19251,7 @@
       </p:sp>
       <p:sp>
         <p:nvSpPr>
-          <p:cNvPr id="236" name="Google Shape;236;p30"/>
+          <p:cNvPr id="237" name="Google Shape;237;p30"/>
           <p:cNvSpPr txBox="1"/>
           <p:nvPr/>
         </p:nvSpPr>
@@ -19690,7 +19322,7 @@
       </p:sp>
       <p:sp>
         <p:nvSpPr>
-          <p:cNvPr id="237" name="Google Shape;237;p30"/>
+          <p:cNvPr id="238" name="Google Shape;238;p30"/>
           <p:cNvSpPr txBox="1"/>
           <p:nvPr/>
         </p:nvSpPr>
@@ -19761,7 +19393,7 @@
       </p:sp>
       <p:sp>
         <p:nvSpPr>
-          <p:cNvPr id="238" name="Google Shape;238;p30"/>
+          <p:cNvPr id="239" name="Google Shape;239;p30"/>
           <p:cNvSpPr txBox="1"/>
           <p:nvPr/>
         </p:nvSpPr>
@@ -19836,7 +19468,7 @@
       </p:sp>
       <p:sp>
         <p:nvSpPr>
-          <p:cNvPr id="239" name="Google Shape;239;p30"/>
+          <p:cNvPr id="240" name="Google Shape;240;p30"/>
           <p:cNvSpPr txBox="1"/>
           <p:nvPr/>
         </p:nvSpPr>
@@ -19911,7 +19543,7 @@
       </p:sp>
       <p:sp>
         <p:nvSpPr>
-          <p:cNvPr id="240" name="Google Shape;240;p30"/>
+          <p:cNvPr id="241" name="Google Shape;241;p30"/>
           <p:cNvSpPr txBox="1"/>
           <p:nvPr/>
         </p:nvSpPr>
@@ -19986,7 +19618,7 @@
       </p:sp>
       <p:sp>
         <p:nvSpPr>
-          <p:cNvPr id="241" name="Google Shape;241;p30"/>
+          <p:cNvPr id="242" name="Google Shape;242;p30"/>
           <p:cNvSpPr/>
           <p:nvPr/>
         </p:nvSpPr>
@@ -20032,7 +19664,7 @@
       </p:sp>
       <p:pic>
         <p:nvPicPr>
-          <p:cNvPr id="242" name="Google Shape;242;p30"/>
+          <p:cNvPr id="243" name="Google Shape;243;p30"/>
           <p:cNvPicPr preferRelativeResize="0"/>
           <p:nvPr/>
         </p:nvPicPr>
@@ -20071,7 +19703,7 @@
       </p:pic>
       <p:pic>
         <p:nvPicPr>
-          <p:cNvPr id="243" name="Google Shape;243;p30"/>
+          <p:cNvPr id="244" name="Google Shape;244;p30"/>
           <p:cNvPicPr preferRelativeResize="0"/>
           <p:nvPr/>
         </p:nvPicPr>
@@ -20110,7 +19742,7 @@
       </p:pic>
       <p:sp>
         <p:nvSpPr>
-          <p:cNvPr id="244" name="Google Shape;244;p30"/>
+          <p:cNvPr id="245" name="Google Shape;245;p30"/>
           <p:cNvSpPr/>
           <p:nvPr/>
         </p:nvSpPr>
@@ -20156,7 +19788,7 @@
       </p:sp>
       <p:sp>
         <p:nvSpPr>
-          <p:cNvPr id="245" name="Google Shape;245;p30"/>
+          <p:cNvPr id="246" name="Google Shape;246;p30"/>
           <p:cNvSpPr/>
           <p:nvPr/>
         </p:nvSpPr>
@@ -20202,7 +19834,7 @@
       </p:sp>
       <p:sp>
         <p:nvSpPr>
-          <p:cNvPr id="246" name="Google Shape;246;p30"/>
+          <p:cNvPr id="247" name="Google Shape;247;p30"/>
           <p:cNvSpPr/>
           <p:nvPr/>
         </p:nvSpPr>
@@ -20259,7 +19891,7 @@
   <p:cSld>
     <p:spTree>
       <p:nvGrpSpPr>
-        <p:cNvPr id="1" name="Shape 250"/>
+        <p:cNvPr id="1" name="Shape 251"/>
         <p:cNvGrpSpPr/>
         <p:nvPr/>
       </p:nvGrpSpPr>
@@ -20273,7 +19905,7 @@
       </p:grpSpPr>
       <p:pic>
         <p:nvPicPr>
-          <p:cNvPr id="251" name="Google Shape;251;p31"/>
+          <p:cNvPr id="252" name="Google Shape;252;p31"/>
           <p:cNvPicPr preferRelativeResize="0"/>
           <p:nvPr/>
         </p:nvPicPr>
@@ -20306,7 +19938,7 @@
       </p:pic>
       <p:sp>
         <p:nvSpPr>
-          <p:cNvPr id="252" name="Google Shape;252;p31"/>
+          <p:cNvPr id="253" name="Google Shape;253;p31"/>
           <p:cNvSpPr txBox="1"/>
           <p:nvPr/>
         </p:nvSpPr>
@@ -20372,7 +20004,7 @@
       </p:sp>
       <p:sp>
         <p:nvSpPr>
-          <p:cNvPr id="253" name="Google Shape;253;p31"/>
+          <p:cNvPr id="254" name="Google Shape;254;p31"/>
           <p:cNvSpPr txBox="1"/>
           <p:nvPr/>
         </p:nvSpPr>
@@ -20463,7 +20095,7 @@
       </p:sp>
       <p:cxnSp>
         <p:nvCxnSpPr>
-          <p:cNvPr id="254" name="Google Shape;254;p31"/>
+          <p:cNvPr id="255" name="Google Shape;255;p31"/>
           <p:cNvCxnSpPr/>
           <p:nvPr/>
         </p:nvCxnSpPr>
@@ -20489,7 +20121,7 @@
       </p:cxnSp>
       <p:sp>
         <p:nvSpPr>
-          <p:cNvPr id="255" name="Google Shape;255;p31"/>
+          <p:cNvPr id="256" name="Google Shape;256;p31"/>
           <p:cNvSpPr txBox="1"/>
           <p:nvPr/>
         </p:nvSpPr>
@@ -20630,7 +20262,7 @@
   <p:cSld>
     <p:spTree>
       <p:nvGrpSpPr>
-        <p:cNvPr id="1" name="Shape 259"/>
+        <p:cNvPr id="1" name="Shape 260"/>
         <p:cNvGrpSpPr/>
         <p:nvPr/>
       </p:nvGrpSpPr>
@@ -20644,7 +20276,7 @@
       </p:grpSpPr>
       <p:pic>
         <p:nvPicPr>
-          <p:cNvPr id="260" name="Google Shape;260;p32"/>
+          <p:cNvPr id="261" name="Google Shape;261;p32"/>
           <p:cNvPicPr preferRelativeResize="0"/>
           <p:nvPr/>
         </p:nvPicPr>
@@ -20671,7 +20303,7 @@
       </p:pic>
       <p:sp>
         <p:nvSpPr>
-          <p:cNvPr id="261" name="Google Shape;261;p32"/>
+          <p:cNvPr id="262" name="Google Shape;262;p32"/>
           <p:cNvSpPr txBox="1"/>
           <p:nvPr/>
         </p:nvSpPr>
@@ -20737,7 +20369,7 @@
       </p:sp>
       <p:sp>
         <p:nvSpPr>
-          <p:cNvPr id="262" name="Google Shape;262;p32"/>
+          <p:cNvPr id="263" name="Google Shape;263;p32"/>
           <p:cNvSpPr txBox="1"/>
           <p:nvPr/>
         </p:nvSpPr>
@@ -21167,7 +20799,7 @@
       </p:sp>
       <p:pic>
         <p:nvPicPr>
-          <p:cNvPr id="263" name="Google Shape;263;p32"/>
+          <p:cNvPr id="264" name="Google Shape;264;p32"/>
           <p:cNvPicPr preferRelativeResize="0"/>
           <p:nvPr/>
         </p:nvPicPr>
@@ -21199,7 +20831,7 @@
       </p:pic>
       <p:sp>
         <p:nvSpPr>
-          <p:cNvPr id="264" name="Google Shape;264;p32"/>
+          <p:cNvPr id="265" name="Google Shape;265;p32"/>
           <p:cNvSpPr txBox="1"/>
           <p:nvPr/>
         </p:nvSpPr>
@@ -21278,7 +20910,7 @@
       </p:sp>
       <p:sp>
         <p:nvSpPr>
-          <p:cNvPr id="265" name="Google Shape;265;p32"/>
+          <p:cNvPr id="266" name="Google Shape;266;p32"/>
           <p:cNvSpPr txBox="1"/>
           <p:nvPr/>
         </p:nvSpPr>
@@ -22445,7 +22077,7 @@
   <p:cSld>
     <p:spTree>
       <p:nvGrpSpPr>
-        <p:cNvPr id="1" name="Shape 269"/>
+        <p:cNvPr id="1" name="Shape 270"/>
         <p:cNvGrpSpPr/>
         <p:nvPr/>
       </p:nvGrpSpPr>
@@ -22459,7 +22091,7 @@
       </p:grpSpPr>
       <p:sp>
         <p:nvSpPr>
-          <p:cNvPr id="270" name="Google Shape;270;p33"/>
+          <p:cNvPr id="271" name="Google Shape;271;p33"/>
           <p:cNvSpPr txBox="1"/>
           <p:nvPr/>
         </p:nvSpPr>
